--- a/03_FolderStruct.pptx
+++ b/03_FolderStruct.pptx
@@ -5,7 +5,7 @@
     <p:sldMasterId id="2147483648" r:id="rId1"/>
   </p:sldMasterIdLst>
   <p:notesMasterIdLst>
-    <p:notesMasterId r:id="rId20"/>
+    <p:notesMasterId r:id="rId22"/>
   </p:notesMasterIdLst>
   <p:sldIdLst>
     <p:sldId id="256" r:id="rId2"/>
@@ -25,7 +25,9 @@
     <p:sldId id="276" r:id="rId16"/>
     <p:sldId id="277" r:id="rId17"/>
     <p:sldId id="278" r:id="rId18"/>
-    <p:sldId id="259" r:id="rId19"/>
+    <p:sldId id="279" r:id="rId19"/>
+    <p:sldId id="280" r:id="rId20"/>
+    <p:sldId id="259" r:id="rId21"/>
   </p:sldIdLst>
   <p:sldSz cx="9144000" cy="6858000" type="screen4x3"/>
   <p:notesSz cx="6858000" cy="9144000"/>
@@ -226,7 +228,7 @@
             <a:fld id="{6837EDA8-41C8-4B24-A206-13C08A65A6D7}" type="datetimeFigureOut">
               <a:rPr lang="zh-TW" altLang="en-US" smtClean="0"/>
               <a:pPr/>
-              <a:t>2020/3/31</a:t>
+              <a:t>2020/6/27</a:t>
             </a:fld>
             <a:endParaRPr lang="zh-TW" altLang="en-US"/>
           </a:p>
@@ -679,7 +681,7 @@
             <a:fld id="{8B85509C-BD4F-47BF-9B1E-FC2E949B3621}" type="datetime1">
               <a:rPr lang="zh-TW" altLang="en-US" smtClean="0"/>
               <a:pPr/>
-              <a:t>2020/3/31</a:t>
+              <a:t>2020/6/27</a:t>
             </a:fld>
             <a:endParaRPr lang="zh-TW" altLang="en-US"/>
           </a:p>
@@ -852,7 +854,7 @@
             <a:fld id="{42251B24-F787-4C15-8A0F-7AEC20C70069}" type="datetime1">
               <a:rPr lang="zh-TW" altLang="en-US" smtClean="0"/>
               <a:pPr/>
-              <a:t>2020/3/31</a:t>
+              <a:t>2020/6/27</a:t>
             </a:fld>
             <a:endParaRPr lang="zh-TW" altLang="en-US"/>
           </a:p>
@@ -1027,7 +1029,7 @@
             <a:fld id="{9CA0D33C-CE2B-45F1-B8D4-FFD1F131F331}" type="datetime1">
               <a:rPr lang="zh-TW" altLang="en-US" smtClean="0"/>
               <a:pPr/>
-              <a:t>2020/3/31</a:t>
+              <a:t>2020/6/27</a:t>
             </a:fld>
             <a:endParaRPr lang="zh-TW" altLang="en-US"/>
           </a:p>
@@ -1192,7 +1194,7 @@
             <a:fld id="{50B99440-D9EF-40CC-9B52-F6428D9B2C76}" type="datetime1">
               <a:rPr lang="zh-TW" altLang="en-US" smtClean="0"/>
               <a:pPr/>
-              <a:t>2020/3/31</a:t>
+              <a:t>2020/6/27</a:t>
             </a:fld>
             <a:endParaRPr lang="zh-TW" altLang="en-US"/>
           </a:p>
@@ -1434,7 +1436,7 @@
             <a:fld id="{0871BF52-5C6C-4959-8E27-CECB68D39FE4}" type="datetime1">
               <a:rPr lang="zh-TW" altLang="en-US" smtClean="0"/>
               <a:pPr/>
-              <a:t>2020/3/31</a:t>
+              <a:t>2020/6/27</a:t>
             </a:fld>
             <a:endParaRPr lang="zh-TW" altLang="en-US"/>
           </a:p>
@@ -1716,7 +1718,7 @@
             <a:fld id="{DF863F05-2DD9-4EB1-A827-12FD992DE9DC}" type="datetime1">
               <a:rPr lang="zh-TW" altLang="en-US" smtClean="0"/>
               <a:pPr/>
-              <a:t>2020/3/31</a:t>
+              <a:t>2020/6/27</a:t>
             </a:fld>
             <a:endParaRPr lang="zh-TW" altLang="en-US"/>
           </a:p>
@@ -2132,7 +2134,7 @@
             <a:fld id="{6339AF51-4491-4873-A096-75DB6CE47516}" type="datetime1">
               <a:rPr lang="zh-TW" altLang="en-US" smtClean="0"/>
               <a:pPr/>
-              <a:t>2020/3/31</a:t>
+              <a:t>2020/6/27</a:t>
             </a:fld>
             <a:endParaRPr lang="zh-TW" altLang="en-US"/>
           </a:p>
@@ -2246,7 +2248,7 @@
             <a:fld id="{EE4AD9C8-8B9E-40FF-ABE2-858AC2057BBB}" type="datetime1">
               <a:rPr lang="zh-TW" altLang="en-US" smtClean="0"/>
               <a:pPr/>
-              <a:t>2020/3/31</a:t>
+              <a:t>2020/6/27</a:t>
             </a:fld>
             <a:endParaRPr lang="zh-TW" altLang="en-US"/>
           </a:p>
@@ -2338,7 +2340,7 @@
             <a:fld id="{B4784999-BBBE-4BE4-A8D0-877E7D1D66CC}" type="datetime1">
               <a:rPr lang="zh-TW" altLang="en-US" smtClean="0"/>
               <a:pPr/>
-              <a:t>2020/3/31</a:t>
+              <a:t>2020/6/27</a:t>
             </a:fld>
             <a:endParaRPr lang="zh-TW" altLang="en-US"/>
           </a:p>
@@ -2610,7 +2612,7 @@
             <a:fld id="{E88D17E6-02BD-4944-B9FE-7BFCCBF83D48}" type="datetime1">
               <a:rPr lang="zh-TW" altLang="en-US" smtClean="0"/>
               <a:pPr/>
-              <a:t>2020/3/31</a:t>
+              <a:t>2020/6/27</a:t>
             </a:fld>
             <a:endParaRPr lang="zh-TW" altLang="en-US"/>
           </a:p>
@@ -2859,7 +2861,7 @@
             <a:fld id="{3C13E23D-1FEF-4D78-A3A3-3D6F2BB31954}" type="datetime1">
               <a:rPr lang="zh-TW" altLang="en-US" smtClean="0"/>
               <a:pPr/>
-              <a:t>2020/3/31</a:t>
+              <a:t>2020/6/27</a:t>
             </a:fld>
             <a:endParaRPr lang="zh-TW" altLang="en-US"/>
           </a:p>
@@ -3067,7 +3069,7 @@
             <a:fld id="{06197F35-AD6F-4594-8B50-334492D2E7E8}" type="datetime1">
               <a:rPr lang="zh-TW" altLang="en-US" smtClean="0"/>
               <a:pPr/>
-              <a:t>2020/3/31</a:t>
+              <a:t>2020/6/27</a:t>
             </a:fld>
             <a:endParaRPr lang="zh-TW" altLang="en-US"/>
           </a:p>
@@ -3528,7 +3530,7 @@
             <a:fld id="{C389EDC9-19E3-47AC-9C57-C6A24DEA81AD}" type="datetime1">
               <a:rPr lang="zh-TW" altLang="en-US" smtClean="0"/>
               <a:pPr/>
-              <a:t>2020/3/31</a:t>
+              <a:t>2020/6/27</a:t>
             </a:fld>
             <a:endParaRPr lang="zh-TW" altLang="en-US"/>
           </a:p>
@@ -3735,12 +3737,20 @@
               <a:buChar char="u"/>
             </a:pPr>
             <a:r>
+              <a:rPr lang="en-US" altLang="zh-TW" sz="1600" b="1" dirty="0" err="1">
+                <a:solidFill>
+                  <a:schemeClr val="tx1"/>
+                </a:solidFill>
+              </a:rPr>
+              <a:t>src</a:t>
+            </a:r>
+            <a:r>
               <a:rPr lang="en-US" altLang="zh-TW" sz="1600" b="1" dirty="0">
                 <a:solidFill>
                   <a:schemeClr val="tx1"/>
                 </a:solidFill>
               </a:rPr>
-              <a:t>Index.js: </a:t>
+              <a:t>/index.js: </a:t>
             </a:r>
           </a:p>
           <a:p>
@@ -3864,7 +3874,7 @@
             <a:fld id="{A4F910E6-8D00-4BAF-8C48-9688E0B449D3}" type="datetime1">
               <a:rPr lang="zh-TW" altLang="en-US" smtClean="0"/>
               <a:pPr/>
-              <a:t>2020/3/31</a:t>
+              <a:t>2020/6/27</a:t>
             </a:fld>
             <a:endParaRPr lang="zh-TW" altLang="en-US"/>
           </a:p>
@@ -4003,7 +4013,7 @@
         <p:spPr>
           <a:xfrm>
             <a:off x="499973" y="3003751"/>
-            <a:ext cx="2991907" cy="1512167"/>
+            <a:ext cx="2991907" cy="1662983"/>
           </a:xfrm>
           <a:prstGeom prst="rect">
             <a:avLst/>
@@ -4508,7 +4518,7 @@
             <a:fld id="{A4F910E6-8D00-4BAF-8C48-9688E0B449D3}" type="datetime1">
               <a:rPr lang="zh-TW" altLang="en-US" smtClean="0"/>
               <a:pPr/>
-              <a:t>2020/3/31</a:t>
+              <a:t>2020/6/27</a:t>
             </a:fld>
             <a:endParaRPr lang="zh-TW" altLang="en-US"/>
           </a:p>
@@ -5054,7 +5064,7 @@
             <a:fld id="{A4F910E6-8D00-4BAF-8C48-9688E0B449D3}" type="datetime1">
               <a:rPr lang="zh-TW" altLang="en-US" smtClean="0"/>
               <a:pPr/>
-              <a:t>2020/3/31</a:t>
+              <a:t>2020/6/27</a:t>
             </a:fld>
             <a:endParaRPr lang="zh-TW" altLang="en-US"/>
           </a:p>
@@ -5384,7 +5394,7 @@
             <a:fld id="{A4F910E6-8D00-4BAF-8C48-9688E0B449D3}" type="datetime1">
               <a:rPr lang="zh-TW" altLang="en-US" smtClean="0"/>
               <a:pPr/>
-              <a:t>2020/3/31</a:t>
+              <a:t>2020/6/27</a:t>
             </a:fld>
             <a:endParaRPr lang="zh-TW" altLang="en-US"/>
           </a:p>
@@ -5714,7 +5724,7 @@
             <a:fld id="{A4F910E6-8D00-4BAF-8C48-9688E0B449D3}" type="datetime1">
               <a:rPr lang="zh-TW" altLang="en-US" smtClean="0"/>
               <a:pPr/>
-              <a:t>2020/3/31</a:t>
+              <a:t>2020/6/27</a:t>
             </a:fld>
             <a:endParaRPr lang="zh-TW" altLang="en-US"/>
           </a:p>
@@ -6068,7 +6078,7 @@
             <a:fld id="{A4F910E6-8D00-4BAF-8C48-9688E0B449D3}" type="datetime1">
               <a:rPr lang="zh-TW" altLang="en-US" smtClean="0"/>
               <a:pPr/>
-              <a:t>2020/3/31</a:t>
+              <a:t>2020/6/27</a:t>
             </a:fld>
             <a:endParaRPr lang="zh-TW" altLang="en-US"/>
           </a:p>
@@ -6406,7 +6416,7 @@
             <a:fld id="{A4F910E6-8D00-4BAF-8C48-9688E0B449D3}" type="datetime1">
               <a:rPr lang="zh-TW" altLang="en-US" smtClean="0"/>
               <a:pPr/>
-              <a:t>2020/3/31</a:t>
+              <a:t>2020/6/27</a:t>
             </a:fld>
             <a:endParaRPr lang="zh-TW" altLang="en-US"/>
           </a:p>
@@ -6824,7 +6834,7 @@
             <a:fld id="{A4F910E6-8D00-4BAF-8C48-9688E0B449D3}" type="datetime1">
               <a:rPr lang="zh-TW" altLang="en-US" smtClean="0"/>
               <a:pPr/>
-              <a:t>2020/3/31</a:t>
+              <a:t>2020/6/27</a:t>
             </a:fld>
             <a:endParaRPr lang="zh-TW" altLang="en-US"/>
           </a:p>
@@ -6904,32 +6914,9 @@
             <a:off x="0" y="2130425"/>
             <a:ext cx="9144000" cy="1470025"/>
           </a:xfrm>
-          <a:gradFill flip="none" rotWithShape="1">
-            <a:gsLst>
-              <a:gs pos="0">
-                <a:srgbClr val="00B0F0">
-                  <a:shade val="30000"/>
-                  <a:satMod val="115000"/>
-                </a:srgbClr>
-              </a:gs>
-              <a:gs pos="50000">
-                <a:srgbClr val="00B0F0">
-                  <a:shade val="67500"/>
-                  <a:satMod val="115000"/>
-                </a:srgbClr>
-              </a:gs>
-              <a:gs pos="100000">
-                <a:srgbClr val="00B0F0">
-                  <a:shade val="100000"/>
-                  <a:satMod val="115000"/>
-                </a:srgbClr>
-              </a:gs>
-            </a:gsLst>
-            <a:path path="circle">
-              <a:fillToRect t="100000" r="100000"/>
-            </a:path>
-            <a:tileRect l="-100000" b="-100000"/>
-          </a:gradFill>
+          <a:solidFill>
+            <a:srgbClr val="00B0F0"/>
+          </a:solidFill>
         </p:spPr>
         <p:txBody>
           <a:bodyPr>
@@ -6938,14 +6925,14 @@
           <a:lstStyle/>
           <a:p>
             <a:r>
-              <a:rPr lang="en-US" altLang="zh-TW" sz="6000" b="1" dirty="0">
+              <a:rPr lang="en-US" altLang="zh-TW" sz="4800" b="1" dirty="0">
                 <a:solidFill>
                   <a:srgbClr val="FFFF00"/>
                 </a:solidFill>
               </a:rPr>
-              <a:t>End of Chapter</a:t>
-            </a:r>
-            <a:endParaRPr lang="zh-TW" altLang="en-US" sz="6000" b="1" dirty="0">
+              <a:t>3.1 Quiz</a:t>
+            </a:r>
+            <a:endParaRPr lang="zh-TW" altLang="en-US" sz="4800" b="1" dirty="0">
               <a:solidFill>
                 <a:srgbClr val="FFFF00"/>
               </a:solidFill>
@@ -6968,10 +6955,10 @@
           <a:bodyPr/>
           <a:lstStyle/>
           <a:p>
-            <a:fld id="{4E46BE27-E923-4EC2-B046-3272AE2A3E5C}" type="datetime1">
+            <a:fld id="{C389EDC9-19E3-47AC-9C57-C6A24DEA81AD}" type="datetime1">
               <a:rPr lang="zh-TW" altLang="en-US" smtClean="0"/>
               <a:pPr/>
-              <a:t>2020/3/31</a:t>
+              <a:t>2020/6/27</a:t>
             </a:fld>
             <a:endParaRPr lang="zh-TW" altLang="en-US"/>
           </a:p>
@@ -7001,7 +6988,44 @@
           </a:p>
         </p:txBody>
       </p:sp>
+      <p:pic>
+        <p:nvPicPr>
+          <p:cNvPr id="2050" name="Picture 2"/>
+          <p:cNvPicPr>
+            <a:picLocks noChangeAspect="1" noChangeArrowheads="1"/>
+          </p:cNvPicPr>
+          <p:nvPr/>
+        </p:nvPicPr>
+        <p:blipFill>
+          <a:blip r:embed="rId2" cstate="print"/>
+          <a:srcRect/>
+          <a:stretch>
+            <a:fillRect/>
+          </a:stretch>
+        </p:blipFill>
+        <p:spPr bwMode="auto">
+          <a:xfrm>
+            <a:off x="4283968" y="3717032"/>
+            <a:ext cx="713805" cy="644588"/>
+          </a:xfrm>
+          <a:prstGeom prst="rect">
+            <a:avLst/>
+          </a:prstGeom>
+          <a:noFill/>
+          <a:ln w="9525">
+            <a:noFill/>
+            <a:miter lim="800000"/>
+            <a:headEnd/>
+            <a:tailEnd/>
+          </a:ln>
+        </p:spPr>
+      </p:pic>
     </p:spTree>
+    <p:extLst>
+      <p:ext uri="{BB962C8B-B14F-4D97-AF65-F5344CB8AC3E}">
+        <p14:creationId xmlns:p14="http://schemas.microsoft.com/office/powerpoint/2010/main" val="316733179"/>
+      </p:ext>
+    </p:extLst>
   </p:cSld>
   <p:clrMapOvr>
     <a:masterClrMapping/>
@@ -7009,7 +7033,7 @@
 </p:sld>
 </file>
 
-<file path=ppt/slides/slide2.xml><?xml version="1.0" encoding="utf-8"?>
+<file path=ppt/slides/slide19.xml><?xml version="1.0" encoding="utf-8"?>
 <p:sld xmlns:a="http://schemas.openxmlformats.org/drawingml/2006/main" xmlns:r="http://schemas.openxmlformats.org/officeDocument/2006/relationships" xmlns:p="http://schemas.openxmlformats.org/presentationml/2006/main">
   <p:cSld>
     <p:spTree>
@@ -7081,7 +7105,7 @@
                   <a:srgbClr val="FFFF00"/>
                 </a:solidFill>
               </a:rPr>
-              <a:t>3 Folder Structure</a:t>
+              <a:t>3.1 Quiz</a:t>
             </a:r>
             <a:endParaRPr lang="zh-TW" altLang="en-US" b="1" dirty="0">
               <a:solidFill>
@@ -7104,7 +7128,7 @@
         <p:spPr>
           <a:xfrm>
             <a:off x="467544" y="1340768"/>
-            <a:ext cx="8219256" cy="343165"/>
+            <a:ext cx="8219256" cy="3528392"/>
           </a:xfrm>
           <a:ln>
             <a:solidFill>
@@ -7133,8 +7157,517 @@
                 </a:solidFill>
                 <a:latin typeface="+mj-lt"/>
               </a:rPr>
-              <a:t>React Folder Structure</a:t>
-            </a:r>
+              <a:t>1. What is React Folder Structure?</a:t>
+            </a:r>
+          </a:p>
+          <a:p>
+            <a:pPr marL="342900" indent="-342900" algn="l">
+              <a:buClr>
+                <a:srgbClr val="0070C0"/>
+              </a:buClr>
+              <a:buSzPct val="80000"/>
+              <a:buFont typeface="Wingdings" pitchFamily="2" charset="2"/>
+              <a:buChar char="u"/>
+            </a:pPr>
+            <a:r>
+              <a:rPr lang="en-US" altLang="zh-TW" sz="1600" b="1" dirty="0">
+                <a:solidFill>
+                  <a:schemeClr val="tx1"/>
+                </a:solidFill>
+                <a:latin typeface="+mj-lt"/>
+              </a:rPr>
+              <a:t>Ans:</a:t>
+            </a:r>
+          </a:p>
+          <a:p>
+            <a:pPr marL="342900" indent="-342900" algn="l">
+              <a:buClr>
+                <a:srgbClr val="0070C0"/>
+              </a:buClr>
+              <a:buSzPct val="80000"/>
+              <a:buFont typeface="Wingdings" pitchFamily="2" charset="2"/>
+              <a:buChar char="u"/>
+            </a:pPr>
+            <a:r>
+              <a:rPr lang="en-US" altLang="zh-TW" sz="1600" b="1" dirty="0">
+                <a:solidFill>
+                  <a:schemeClr val="tx1"/>
+                </a:solidFill>
+                <a:latin typeface="+mj-lt"/>
+              </a:rPr>
+              <a:t>Folder:</a:t>
+            </a:r>
+          </a:p>
+          <a:p>
+            <a:pPr marL="342900" indent="-342900" algn="l">
+              <a:buClr>
+                <a:srgbClr val="0070C0"/>
+              </a:buClr>
+              <a:buSzPct val="80000"/>
+              <a:buFont typeface="Wingdings" pitchFamily="2" charset="2"/>
+              <a:buChar char="u"/>
+            </a:pPr>
+            <a:r>
+              <a:rPr lang="en-US" altLang="zh-TW" sz="1600" b="1" dirty="0">
+                <a:solidFill>
+                  <a:schemeClr val="tx1"/>
+                </a:solidFill>
+                <a:latin typeface="+mj-lt"/>
+              </a:rPr>
+              <a:t>a) </a:t>
+            </a:r>
+            <a:r>
+              <a:rPr lang="en-US" altLang="zh-TW" sz="1600" b="1" dirty="0" err="1">
+                <a:solidFill>
+                  <a:schemeClr val="tx1"/>
+                </a:solidFill>
+                <a:latin typeface="+mj-lt"/>
+              </a:rPr>
+              <a:t>node_modules</a:t>
+            </a:r>
+            <a:r>
+              <a:rPr lang="en-US" altLang="zh-TW" sz="1600" b="1" dirty="0">
+                <a:solidFill>
+                  <a:schemeClr val="tx1"/>
+                </a:solidFill>
+                <a:latin typeface="+mj-lt"/>
+              </a:rPr>
+              <a:t>: A</a:t>
+            </a:r>
+            <a:r>
+              <a:rPr lang="en-US" altLang="zh-TW" sz="1600" b="1" dirty="0">
+                <a:solidFill>
+                  <a:schemeClr val="tx1"/>
+                </a:solidFill>
+              </a:rPr>
+              <a:t>ll the dependencies are installed; It is generated when you run create-react-app command or when you run </a:t>
+            </a:r>
+            <a:r>
+              <a:rPr lang="en-US" altLang="zh-TW" sz="1600" b="1" dirty="0" err="1">
+                <a:solidFill>
+                  <a:schemeClr val="tx1"/>
+                </a:solidFill>
+              </a:rPr>
+              <a:t>npm</a:t>
+            </a:r>
+            <a:r>
+              <a:rPr lang="en-US" altLang="zh-TW" sz="1600" b="1" dirty="0">
+                <a:solidFill>
+                  <a:schemeClr val="tx1"/>
+                </a:solidFill>
+              </a:rPr>
+              <a:t> install.</a:t>
+            </a:r>
+            <a:endParaRPr lang="en-US" altLang="zh-TW" sz="1600" b="1" dirty="0">
+              <a:solidFill>
+                <a:schemeClr val="tx1"/>
+              </a:solidFill>
+              <a:latin typeface="+mj-lt"/>
+            </a:endParaRPr>
+          </a:p>
+          <a:p>
+            <a:pPr marL="342900" indent="-342900" algn="l">
+              <a:buClr>
+                <a:srgbClr val="0070C0"/>
+              </a:buClr>
+              <a:buSzPct val="80000"/>
+              <a:buFont typeface="Wingdings" pitchFamily="2" charset="2"/>
+              <a:buChar char="u"/>
+            </a:pPr>
+            <a:r>
+              <a:rPr lang="en-US" altLang="zh-TW" sz="1600" b="1" dirty="0">
+                <a:solidFill>
+                  <a:schemeClr val="tx1"/>
+                </a:solidFill>
+                <a:latin typeface="+mj-lt"/>
+              </a:rPr>
+              <a:t>b) public: </a:t>
+            </a:r>
+            <a:r>
+              <a:rPr lang="en-US" altLang="en-US" sz="1600" dirty="0">
+                <a:solidFill>
+                  <a:srgbClr val="1C1E21"/>
+                </a:solidFill>
+                <a:latin typeface="system-ui"/>
+              </a:rPr>
+              <a:t>The </a:t>
+            </a:r>
+            <a:r>
+              <a:rPr lang="en-US" altLang="en-US" sz="1600" dirty="0">
+                <a:solidFill>
+                  <a:srgbClr val="1C1E21"/>
+                </a:solidFill>
+                <a:latin typeface="var(--ifm-font-family-monospace)"/>
+              </a:rPr>
+              <a:t>public</a:t>
+            </a:r>
+            <a:r>
+              <a:rPr lang="en-US" altLang="en-US" sz="1600" dirty="0">
+                <a:solidFill>
+                  <a:srgbClr val="1C1E21"/>
+                </a:solidFill>
+                <a:latin typeface="system-ui"/>
+              </a:rPr>
+              <a:t> folder contains the HTML file, for example, to </a:t>
+            </a:r>
+            <a:r>
+              <a:rPr lang="en-US" altLang="en-US" sz="1600" dirty="0">
+                <a:solidFill>
+                  <a:schemeClr val="tx1"/>
+                </a:solidFill>
+                <a:latin typeface="system-ui"/>
+              </a:rPr>
+              <a:t>set the page title and meta tags</a:t>
+            </a:r>
+            <a:r>
+              <a:rPr lang="en-US" altLang="en-US" sz="1600" dirty="0">
+                <a:solidFill>
+                  <a:srgbClr val="1C1E21"/>
+                </a:solidFill>
+                <a:latin typeface="system-ui"/>
+              </a:rPr>
+              <a:t>.</a:t>
+            </a:r>
+            <a:endParaRPr lang="en-US" altLang="zh-TW" sz="1600" b="1" dirty="0">
+              <a:solidFill>
+                <a:schemeClr val="tx1"/>
+              </a:solidFill>
+              <a:latin typeface="+mj-lt"/>
+            </a:endParaRPr>
+          </a:p>
+          <a:p>
+            <a:pPr marL="342900" indent="-342900" algn="l">
+              <a:buClr>
+                <a:srgbClr val="0070C0"/>
+              </a:buClr>
+              <a:buSzPct val="80000"/>
+              <a:buFont typeface="Wingdings" pitchFamily="2" charset="2"/>
+              <a:buChar char="u"/>
+            </a:pPr>
+            <a:r>
+              <a:rPr lang="en-US" altLang="zh-TW" sz="1600" b="1" dirty="0">
+                <a:solidFill>
+                  <a:schemeClr val="tx1"/>
+                </a:solidFill>
+                <a:latin typeface="+mj-lt"/>
+              </a:rPr>
+              <a:t>c) </a:t>
+            </a:r>
+            <a:r>
+              <a:rPr lang="en-US" altLang="zh-TW" sz="1600" b="1" dirty="0" err="1">
+                <a:solidFill>
+                  <a:schemeClr val="tx1"/>
+                </a:solidFill>
+                <a:latin typeface="+mj-lt"/>
+              </a:rPr>
+              <a:t>src</a:t>
+            </a:r>
+            <a:r>
+              <a:rPr lang="en-US" altLang="zh-TW" sz="1600" b="1" dirty="0">
+                <a:solidFill>
+                  <a:schemeClr val="tx1"/>
+                </a:solidFill>
+                <a:latin typeface="+mj-lt"/>
+              </a:rPr>
+              <a:t>: source file</a:t>
+            </a:r>
+            <a:r>
+              <a:rPr lang="en-US" altLang="zh-TW" sz="1600" b="1">
+                <a:solidFill>
+                  <a:schemeClr val="tx1"/>
+                </a:solidFill>
+                <a:latin typeface="+mj-lt"/>
+              </a:rPr>
+              <a:t>: App.css, App</a:t>
+            </a:r>
+            <a:r>
+              <a:rPr lang="en-US" altLang="zh-TW" sz="1600" b="1" dirty="0">
+                <a:solidFill>
+                  <a:schemeClr val="tx1"/>
+                </a:solidFill>
+                <a:latin typeface="+mj-lt"/>
+              </a:rPr>
+              <a:t>.js</a:t>
+            </a:r>
+            <a:r>
+              <a:rPr lang="en-US" altLang="zh-TW" sz="1600" b="1">
+                <a:solidFill>
+                  <a:schemeClr val="tx1"/>
+                </a:solidFill>
+                <a:latin typeface="+mj-lt"/>
+              </a:rPr>
+              <a:t>, index.css, index</a:t>
+            </a:r>
+            <a:r>
+              <a:rPr lang="en-US" altLang="zh-TW" sz="1600" b="1" dirty="0">
+                <a:solidFill>
+                  <a:schemeClr val="tx1"/>
+                </a:solidFill>
+                <a:latin typeface="+mj-lt"/>
+              </a:rPr>
+              <a:t>.js</a:t>
+            </a:r>
+            <a:r>
+              <a:rPr lang="en-US" altLang="zh-TW" sz="1600" b="1">
+                <a:solidFill>
+                  <a:schemeClr val="tx1"/>
+                </a:solidFill>
+                <a:latin typeface="+mj-lt"/>
+              </a:rPr>
+              <a:t>, </a:t>
+            </a:r>
+            <a:r>
+              <a:rPr lang="en-US" altLang="zh-TW" sz="1600" b="1" dirty="0">
+                <a:solidFill>
+                  <a:schemeClr val="tx1"/>
+                </a:solidFill>
+                <a:latin typeface="+mj-lt"/>
+              </a:rPr>
+              <a:t>A</a:t>
+            </a:r>
+            <a:r>
+              <a:rPr lang="en-US" altLang="zh-TW" sz="1600" b="1">
+                <a:solidFill>
+                  <a:schemeClr val="tx1"/>
+                </a:solidFill>
+                <a:latin typeface="+mj-lt"/>
+              </a:rPr>
+              <a:t>pp</a:t>
+            </a:r>
+            <a:r>
+              <a:rPr lang="en-US" altLang="zh-TW" sz="1600" b="1" dirty="0" err="1">
+                <a:solidFill>
+                  <a:schemeClr val="tx1"/>
+                </a:solidFill>
+                <a:latin typeface="+mj-lt"/>
+              </a:rPr>
+              <a:t>.</a:t>
+            </a:r>
+            <a:r>
+              <a:rPr lang="en-US" altLang="zh-TW" sz="1600" b="1" err="1">
+                <a:solidFill>
+                  <a:schemeClr val="tx1"/>
+                </a:solidFill>
+                <a:latin typeface="+mj-lt"/>
+              </a:rPr>
+              <a:t>test</a:t>
+            </a:r>
+            <a:r>
+              <a:rPr lang="en-US" altLang="zh-TW" sz="1600" b="1">
+                <a:solidFill>
+                  <a:schemeClr val="tx1"/>
+                </a:solidFill>
+                <a:latin typeface="+mj-lt"/>
+              </a:rPr>
+              <a:t>.js</a:t>
+            </a:r>
+            <a:endParaRPr lang="en-US" altLang="zh-TW" sz="1600" b="1" dirty="0">
+              <a:solidFill>
+                <a:schemeClr val="tx1"/>
+              </a:solidFill>
+              <a:latin typeface="+mj-lt"/>
+            </a:endParaRPr>
+          </a:p>
+          <a:p>
+            <a:pPr marL="342900" indent="-342900" algn="l">
+              <a:buClr>
+                <a:srgbClr val="0070C0"/>
+              </a:buClr>
+              <a:buSzPct val="80000"/>
+              <a:buFont typeface="Wingdings" pitchFamily="2" charset="2"/>
+              <a:buChar char="u"/>
+            </a:pPr>
+            <a:r>
+              <a:rPr lang="en-US" altLang="zh-TW" sz="1600" b="1" dirty="0">
+                <a:solidFill>
+                  <a:schemeClr val="tx1"/>
+                </a:solidFill>
+                <a:latin typeface="+mj-lt"/>
+              </a:rPr>
+              <a:t>Files: </a:t>
+            </a:r>
+          </a:p>
+          <a:p>
+            <a:pPr marL="342900" indent="-342900" algn="l">
+              <a:buClr>
+                <a:srgbClr val="0070C0"/>
+              </a:buClr>
+              <a:buSzPct val="80000"/>
+              <a:buFont typeface="Wingdings" pitchFamily="2" charset="2"/>
+              <a:buChar char="u"/>
+            </a:pPr>
+            <a:r>
+              <a:rPr lang="en-US" altLang="zh-TW" sz="1600" b="1" dirty="0">
+                <a:solidFill>
+                  <a:schemeClr val="tx1"/>
+                </a:solidFill>
+                <a:latin typeface="+mj-lt"/>
+              </a:rPr>
+              <a:t>a) </a:t>
+            </a:r>
+            <a:r>
+              <a:rPr lang="en-US" altLang="zh-TW" sz="1600" b="1" dirty="0" err="1">
+                <a:solidFill>
+                  <a:schemeClr val="tx1"/>
+                </a:solidFill>
+                <a:latin typeface="+mj-lt"/>
+              </a:rPr>
+              <a:t>package.json</a:t>
+            </a:r>
+            <a:r>
+              <a:rPr lang="en-US" altLang="zh-TW" sz="1600" b="1" dirty="0">
+                <a:solidFill>
+                  <a:schemeClr val="tx1"/>
+                </a:solidFill>
+                <a:latin typeface="+mj-lt"/>
+              </a:rPr>
+              <a:t>: tendencies and script</a:t>
+            </a:r>
+          </a:p>
+          <a:p>
+            <a:pPr marL="342900" indent="-342900" algn="l">
+              <a:buClr>
+                <a:srgbClr val="0070C0"/>
+              </a:buClr>
+              <a:buSzPct val="80000"/>
+              <a:buFont typeface="Wingdings" pitchFamily="2" charset="2"/>
+              <a:buChar char="u"/>
+            </a:pPr>
+            <a:r>
+              <a:rPr lang="en-US" altLang="en-US" sz="1600" b="1" dirty="0">
+                <a:solidFill>
+                  <a:schemeClr val="tx1"/>
+                </a:solidFill>
+                <a:latin typeface="+mj-lt"/>
+              </a:rPr>
+              <a:t>b</a:t>
+            </a:r>
+            <a:r>
+              <a:rPr kumimoji="0" lang="en-US" altLang="en-US" sz="1600" b="1" i="0" u="none" strike="noStrike" cap="none" normalizeH="0" baseline="0" dirty="0">
+                <a:ln>
+                  <a:noFill/>
+                </a:ln>
+                <a:solidFill>
+                  <a:schemeClr val="tx1"/>
+                </a:solidFill>
+                <a:effectLst/>
+                <a:latin typeface="+mj-lt"/>
+              </a:rPr>
+              <a:t>) </a:t>
+            </a:r>
+            <a:r>
+              <a:rPr kumimoji="0" lang="en-US" altLang="en-US" sz="1600" b="1" i="0" u="none" strike="noStrike" cap="none" normalizeH="0" baseline="0" dirty="0">
+                <a:ln>
+                  <a:noFill/>
+                </a:ln>
+                <a:solidFill>
+                  <a:srgbClr val="444444"/>
+                </a:solidFill>
+                <a:effectLst/>
+              </a:rPr>
+              <a:t> package-</a:t>
+            </a:r>
+            <a:r>
+              <a:rPr kumimoji="0" lang="en-US" altLang="en-US" sz="1600" b="1" i="0" u="none" strike="noStrike" cap="none" normalizeH="0" baseline="0" dirty="0" err="1">
+                <a:ln>
+                  <a:noFill/>
+                </a:ln>
+                <a:solidFill>
+                  <a:srgbClr val="444444"/>
+                </a:solidFill>
+                <a:effectLst/>
+              </a:rPr>
+              <a:t>lock.json</a:t>
+            </a:r>
+            <a:r>
+              <a:rPr kumimoji="0" lang="en-US" altLang="en-US" sz="1600" b="0" i="0" u="none" strike="noStrike" cap="none" normalizeH="0" baseline="0" dirty="0">
+                <a:ln>
+                  <a:noFill/>
+                </a:ln>
+                <a:solidFill>
+                  <a:srgbClr val="333333"/>
+                </a:solidFill>
+                <a:effectLst/>
+              </a:rPr>
+              <a:t> is automatically generated for any operations where </a:t>
+            </a:r>
+            <a:r>
+              <a:rPr kumimoji="0" lang="en-US" altLang="en-US" sz="1600" b="0" i="0" u="none" strike="noStrike" cap="none" normalizeH="0" baseline="0" dirty="0" err="1">
+                <a:ln>
+                  <a:noFill/>
+                </a:ln>
+                <a:solidFill>
+                  <a:srgbClr val="333333"/>
+                </a:solidFill>
+                <a:effectLst/>
+              </a:rPr>
+              <a:t>npm</a:t>
+            </a:r>
+            <a:r>
+              <a:rPr kumimoji="0" lang="en-US" altLang="en-US" sz="1600" b="0" i="0" u="none" strike="noStrike" cap="none" normalizeH="0" baseline="0" dirty="0">
+                <a:ln>
+                  <a:noFill/>
+                </a:ln>
+                <a:solidFill>
+                  <a:srgbClr val="333333"/>
+                </a:solidFill>
+                <a:effectLst/>
+              </a:rPr>
+              <a:t> modifies either the </a:t>
+            </a:r>
+            <a:r>
+              <a:rPr kumimoji="0" lang="en-US" altLang="en-US" sz="1600" b="1" i="0" u="none" strike="noStrike" cap="none" normalizeH="0" baseline="0" dirty="0" err="1">
+                <a:ln>
+                  <a:noFill/>
+                </a:ln>
+                <a:solidFill>
+                  <a:srgbClr val="444444"/>
+                </a:solidFill>
+                <a:effectLst/>
+              </a:rPr>
+              <a:t>node_modules</a:t>
+            </a:r>
+            <a:r>
+              <a:rPr kumimoji="0" lang="en-US" altLang="en-US" sz="1600" b="0" i="0" u="none" strike="noStrike" cap="none" normalizeH="0" baseline="0" dirty="0">
+                <a:ln>
+                  <a:noFill/>
+                </a:ln>
+                <a:solidFill>
+                  <a:srgbClr val="333333"/>
+                </a:solidFill>
+                <a:effectLst/>
+              </a:rPr>
+              <a:t> tree, or </a:t>
+            </a:r>
+            <a:r>
+              <a:rPr kumimoji="0" lang="en-US" altLang="en-US" sz="1600" b="1" i="0" u="none" strike="noStrike" cap="none" normalizeH="0" baseline="0" dirty="0" err="1">
+                <a:ln>
+                  <a:noFill/>
+                </a:ln>
+                <a:solidFill>
+                  <a:srgbClr val="444444"/>
+                </a:solidFill>
+                <a:effectLst/>
+              </a:rPr>
+              <a:t>package.json</a:t>
+            </a:r>
+            <a:r>
+              <a:rPr kumimoji="0" lang="en-US" altLang="en-US" sz="1600" b="0" i="0" u="none" strike="noStrike" cap="none" normalizeH="0" baseline="0" dirty="0">
+                <a:ln>
+                  <a:noFill/>
+                </a:ln>
+                <a:solidFill>
+                  <a:srgbClr val="333333"/>
+                </a:solidFill>
+                <a:effectLst/>
+              </a:rPr>
+              <a:t>. </a:t>
+            </a:r>
+            <a:endParaRPr lang="en-US" altLang="zh-TW" sz="1600" b="1" dirty="0">
+              <a:solidFill>
+                <a:schemeClr val="tx1"/>
+              </a:solidFill>
+            </a:endParaRPr>
           </a:p>
         </p:txBody>
       </p:sp>
@@ -7220,7 +7753,7 @@
             <a:fld id="{A4F910E6-8D00-4BAF-8C48-9688E0B449D3}" type="datetime1">
               <a:rPr lang="zh-TW" altLang="en-US" smtClean="0"/>
               <a:pPr/>
-              <a:t>2020/3/31</a:t>
+              <a:t>2020/6/27</a:t>
             </a:fld>
             <a:endParaRPr lang="zh-TW" altLang="en-US"/>
           </a:p>
@@ -7249,48 +7782,18 @@
             <a:fld id="{E4D7E63D-91F2-4366-A2C4-1B00C9E2590E}" type="slidenum">
               <a:rPr lang="zh-TW" altLang="en-US" smtClean="0"/>
               <a:pPr/>
-              <a:t>2</a:t>
+              <a:t>19</a:t>
             </a:fld>
             <a:endParaRPr lang="zh-TW" altLang="en-US"/>
           </a:p>
         </p:txBody>
       </p:sp>
-      <p:pic>
-        <p:nvPicPr>
-          <p:cNvPr id="9" name="Picture 8">
-            <a:extLst>
-              <a:ext uri="{FF2B5EF4-FFF2-40B4-BE49-F238E27FC236}">
-                <a16:creationId xmlns:a16="http://schemas.microsoft.com/office/drawing/2014/main" id="{E85E4652-A16E-4869-8045-A950498137F9}"/>
-              </a:ext>
-            </a:extLst>
-          </p:cNvPr>
-          <p:cNvPicPr>
-            <a:picLocks noChangeAspect="1"/>
-          </p:cNvPicPr>
-          <p:nvPr/>
-        </p:nvPicPr>
-        <p:blipFill>
-          <a:blip r:embed="rId3"/>
-          <a:stretch>
-            <a:fillRect/>
-          </a:stretch>
-        </p:blipFill>
-        <p:spPr>
-          <a:xfrm>
-            <a:off x="2483768" y="1838788"/>
-            <a:ext cx="2628900" cy="4667250"/>
-          </a:xfrm>
-          <a:prstGeom prst="rect">
-            <a:avLst/>
-          </a:prstGeom>
-          <a:ln>
-            <a:solidFill>
-              <a:srgbClr val="C00000"/>
-            </a:solidFill>
-          </a:ln>
-        </p:spPr>
-      </p:pic>
     </p:spTree>
+    <p:extLst>
+      <p:ext uri="{BB962C8B-B14F-4D97-AF65-F5344CB8AC3E}">
+        <p14:creationId xmlns:p14="http://schemas.microsoft.com/office/powerpoint/2010/main" val="2861633822"/>
+      </p:ext>
+    </p:extLst>
   </p:cSld>
   <p:clrMapOvr>
     <a:masterClrMapping/>
@@ -7298,7 +7801,7 @@
 </p:sld>
 </file>
 
-<file path=ppt/slides/slide3.xml><?xml version="1.0" encoding="utf-8"?>
+<file path=ppt/slides/slide2.xml><?xml version="1.0" encoding="utf-8"?>
 <p:sld xmlns:a="http://schemas.openxmlformats.org/drawingml/2006/main" xmlns:r="http://schemas.openxmlformats.org/officeDocument/2006/relationships" xmlns:p="http://schemas.openxmlformats.org/presentationml/2006/main">
   <p:cSld>
     <p:spTree>
@@ -7393,7 +7896,7 @@
         <p:spPr>
           <a:xfrm>
             <a:off x="467544" y="1340768"/>
-            <a:ext cx="4752528" cy="2016224"/>
+            <a:ext cx="8219256" cy="343165"/>
           </a:xfrm>
           <a:ln>
             <a:solidFill>
@@ -7422,82 +7925,7 @@
                 </a:solidFill>
                 <a:latin typeface="+mj-lt"/>
               </a:rPr>
-              <a:t>Start with </a:t>
-            </a:r>
-            <a:r>
-              <a:rPr lang="en-US" altLang="zh-TW" sz="1600" b="1" dirty="0" err="1">
-                <a:solidFill>
-                  <a:schemeClr val="tx1"/>
-                </a:solidFill>
-                <a:latin typeface="+mj-lt"/>
-              </a:rPr>
-              <a:t>package.json</a:t>
-            </a:r>
-            <a:r>
-              <a:rPr lang="en-US" altLang="zh-TW" sz="1600" b="1" dirty="0">
-                <a:solidFill>
-                  <a:schemeClr val="tx1"/>
-                </a:solidFill>
-                <a:latin typeface="+mj-lt"/>
-              </a:rPr>
-              <a:t>: </a:t>
-            </a:r>
-          </a:p>
-          <a:p>
-            <a:pPr marL="342900" indent="-342900" algn="l">
-              <a:buClr>
-                <a:srgbClr val="0070C0"/>
-              </a:buClr>
-              <a:buSzPct val="80000"/>
-              <a:buFont typeface="Wingdings" pitchFamily="2" charset="2"/>
-              <a:buChar char="u"/>
-            </a:pPr>
-            <a:r>
-              <a:rPr lang="en-US" altLang="zh-TW" sz="1600" b="1" dirty="0">
-                <a:solidFill>
-                  <a:schemeClr val="tx1"/>
-                </a:solidFill>
-                <a:latin typeface="+mj-lt"/>
-              </a:rPr>
-              <a:t>This file contains the dependencies and script required for the project.</a:t>
-            </a:r>
-          </a:p>
-          <a:p>
-            <a:pPr marL="342900" indent="-342900" algn="l">
-              <a:buClr>
-                <a:srgbClr val="0070C0"/>
-              </a:buClr>
-              <a:buSzPct val="80000"/>
-              <a:buFont typeface="Wingdings" pitchFamily="2" charset="2"/>
-              <a:buChar char="u"/>
-            </a:pPr>
-            <a:r>
-              <a:rPr lang="en-US" altLang="zh-TW" sz="1600" b="1" dirty="0">
-                <a:solidFill>
-                  <a:schemeClr val="tx1"/>
-                </a:solidFill>
-                <a:latin typeface="+mj-lt"/>
-              </a:rPr>
-              <a:t>You can see the react version 16.13 and that is listed as the dependencies.</a:t>
-            </a:r>
-          </a:p>
-          <a:p>
-            <a:pPr marL="342900" indent="-342900" algn="l">
-              <a:buClr>
-                <a:srgbClr val="0070C0"/>
-              </a:buClr>
-              <a:buSzPct val="80000"/>
-              <a:buFont typeface="Wingdings" pitchFamily="2" charset="2"/>
-              <a:buChar char="u"/>
-            </a:pPr>
-            <a:r>
-              <a:rPr lang="en-US" altLang="zh-TW" sz="1600" b="1" dirty="0">
-                <a:solidFill>
-                  <a:schemeClr val="tx1"/>
-                </a:solidFill>
-                <a:latin typeface="+mj-lt"/>
-              </a:rPr>
-              <a:t>We also have scripts that run the application, build application, or even run tests.</a:t>
+              <a:t>React Folder Structure</a:t>
             </a:r>
           </a:p>
         </p:txBody>
@@ -7584,7 +8012,508 @@
             <a:fld id="{A4F910E6-8D00-4BAF-8C48-9688E0B449D3}" type="datetime1">
               <a:rPr lang="zh-TW" altLang="en-US" smtClean="0"/>
               <a:pPr/>
-              <a:t>2020/3/31</a:t>
+              <a:t>2020/6/27</a:t>
+            </a:fld>
+            <a:endParaRPr lang="zh-TW" altLang="en-US"/>
+          </a:p>
+        </p:txBody>
+      </p:sp>
+      <p:sp>
+        <p:nvSpPr>
+          <p:cNvPr id="6" name="投影片編號版面配置區 5"/>
+          <p:cNvSpPr>
+            <a:spLocks noGrp="1"/>
+          </p:cNvSpPr>
+          <p:nvPr>
+            <p:ph type="sldNum" sz="quarter" idx="12"/>
+          </p:nvPr>
+        </p:nvSpPr>
+        <p:spPr>
+          <a:xfrm>
+            <a:off x="6553200" y="6356350"/>
+            <a:ext cx="2133600" cy="404246"/>
+          </a:xfrm>
+        </p:spPr>
+        <p:txBody>
+          <a:bodyPr/>
+          <a:lstStyle/>
+          <a:p>
+            <a:fld id="{E4D7E63D-91F2-4366-A2C4-1B00C9E2590E}" type="slidenum">
+              <a:rPr lang="zh-TW" altLang="en-US" smtClean="0"/>
+              <a:pPr/>
+              <a:t>2</a:t>
+            </a:fld>
+            <a:endParaRPr lang="zh-TW" altLang="en-US"/>
+          </a:p>
+        </p:txBody>
+      </p:sp>
+      <p:pic>
+        <p:nvPicPr>
+          <p:cNvPr id="9" name="Picture 8">
+            <a:extLst>
+              <a:ext uri="{FF2B5EF4-FFF2-40B4-BE49-F238E27FC236}">
+                <a16:creationId xmlns:a16="http://schemas.microsoft.com/office/drawing/2014/main" id="{E85E4652-A16E-4869-8045-A950498137F9}"/>
+              </a:ext>
+            </a:extLst>
+          </p:cNvPr>
+          <p:cNvPicPr>
+            <a:picLocks noChangeAspect="1"/>
+          </p:cNvPicPr>
+          <p:nvPr/>
+        </p:nvPicPr>
+        <p:blipFill>
+          <a:blip r:embed="rId3"/>
+          <a:stretch>
+            <a:fillRect/>
+          </a:stretch>
+        </p:blipFill>
+        <p:spPr>
+          <a:xfrm>
+            <a:off x="2483768" y="1838788"/>
+            <a:ext cx="2628900" cy="4667250"/>
+          </a:xfrm>
+          <a:prstGeom prst="rect">
+            <a:avLst/>
+          </a:prstGeom>
+          <a:ln>
+            <a:solidFill>
+              <a:srgbClr val="C00000"/>
+            </a:solidFill>
+          </a:ln>
+        </p:spPr>
+      </p:pic>
+    </p:spTree>
+  </p:cSld>
+  <p:clrMapOvr>
+    <a:masterClrMapping/>
+  </p:clrMapOvr>
+</p:sld>
+</file>
+
+<file path=ppt/slides/slide20.xml><?xml version="1.0" encoding="utf-8"?>
+<p:sld xmlns:a="http://schemas.openxmlformats.org/drawingml/2006/main" xmlns:r="http://schemas.openxmlformats.org/officeDocument/2006/relationships" xmlns:p="http://schemas.openxmlformats.org/presentationml/2006/main">
+  <p:cSld>
+    <p:spTree>
+      <p:nvGrpSpPr>
+        <p:cNvPr id="1" name=""/>
+        <p:cNvGrpSpPr/>
+        <p:nvPr/>
+      </p:nvGrpSpPr>
+      <p:grpSpPr>
+        <a:xfrm>
+          <a:off x="0" y="0"/>
+          <a:ext cx="0" cy="0"/>
+          <a:chOff x="0" y="0"/>
+          <a:chExt cx="0" cy="0"/>
+        </a:xfrm>
+      </p:grpSpPr>
+      <p:sp>
+        <p:nvSpPr>
+          <p:cNvPr id="2" name="標題 1"/>
+          <p:cNvSpPr>
+            <a:spLocks noGrp="1"/>
+          </p:cNvSpPr>
+          <p:nvPr>
+            <p:ph type="ctrTitle"/>
+          </p:nvPr>
+        </p:nvSpPr>
+        <p:spPr>
+          <a:xfrm>
+            <a:off x="0" y="2130425"/>
+            <a:ext cx="9144000" cy="1470025"/>
+          </a:xfrm>
+          <a:gradFill flip="none" rotWithShape="1">
+            <a:gsLst>
+              <a:gs pos="0">
+                <a:srgbClr val="00B0F0">
+                  <a:shade val="30000"/>
+                  <a:satMod val="115000"/>
+                </a:srgbClr>
+              </a:gs>
+              <a:gs pos="50000">
+                <a:srgbClr val="00B0F0">
+                  <a:shade val="67500"/>
+                  <a:satMod val="115000"/>
+                </a:srgbClr>
+              </a:gs>
+              <a:gs pos="100000">
+                <a:srgbClr val="00B0F0">
+                  <a:shade val="100000"/>
+                  <a:satMod val="115000"/>
+                </a:srgbClr>
+              </a:gs>
+            </a:gsLst>
+            <a:path path="circle">
+              <a:fillToRect t="100000" r="100000"/>
+            </a:path>
+            <a:tileRect l="-100000" b="-100000"/>
+          </a:gradFill>
+        </p:spPr>
+        <p:txBody>
+          <a:bodyPr>
+            <a:normAutofit/>
+          </a:bodyPr>
+          <a:lstStyle/>
+          <a:p>
+            <a:r>
+              <a:rPr lang="en-US" altLang="zh-TW" sz="6000" b="1" dirty="0">
+                <a:solidFill>
+                  <a:srgbClr val="FFFF00"/>
+                </a:solidFill>
+              </a:rPr>
+              <a:t>End of Chapter</a:t>
+            </a:r>
+            <a:endParaRPr lang="zh-TW" altLang="en-US" sz="6000" b="1" dirty="0">
+              <a:solidFill>
+                <a:srgbClr val="FFFF00"/>
+              </a:solidFill>
+            </a:endParaRPr>
+          </a:p>
+        </p:txBody>
+      </p:sp>
+      <p:sp>
+        <p:nvSpPr>
+          <p:cNvPr id="5" name="日期版面配置區 4"/>
+          <p:cNvSpPr>
+            <a:spLocks noGrp="1"/>
+          </p:cNvSpPr>
+          <p:nvPr>
+            <p:ph type="dt" sz="half" idx="10"/>
+          </p:nvPr>
+        </p:nvSpPr>
+        <p:spPr/>
+        <p:txBody>
+          <a:bodyPr/>
+          <a:lstStyle/>
+          <a:p>
+            <a:fld id="{4E46BE27-E923-4EC2-B046-3272AE2A3E5C}" type="datetime1">
+              <a:rPr lang="zh-TW" altLang="en-US" smtClean="0"/>
+              <a:pPr/>
+              <a:t>2020/6/27</a:t>
+            </a:fld>
+            <a:endParaRPr lang="zh-TW" altLang="en-US"/>
+          </a:p>
+        </p:txBody>
+      </p:sp>
+      <p:sp>
+        <p:nvSpPr>
+          <p:cNvPr id="6" name="投影片編號版面配置區 5"/>
+          <p:cNvSpPr>
+            <a:spLocks noGrp="1"/>
+          </p:cNvSpPr>
+          <p:nvPr>
+            <p:ph type="sldNum" sz="quarter" idx="12"/>
+          </p:nvPr>
+        </p:nvSpPr>
+        <p:spPr/>
+        <p:txBody>
+          <a:bodyPr/>
+          <a:lstStyle/>
+          <a:p>
+            <a:fld id="{E4D7E63D-91F2-4366-A2C4-1B00C9E2590E}" type="slidenum">
+              <a:rPr lang="zh-TW" altLang="en-US" smtClean="0"/>
+              <a:pPr/>
+              <a:t>20</a:t>
+            </a:fld>
+            <a:endParaRPr lang="zh-TW" altLang="en-US"/>
+          </a:p>
+        </p:txBody>
+      </p:sp>
+    </p:spTree>
+  </p:cSld>
+  <p:clrMapOvr>
+    <a:masterClrMapping/>
+  </p:clrMapOvr>
+</p:sld>
+</file>
+
+<file path=ppt/slides/slide3.xml><?xml version="1.0" encoding="utf-8"?>
+<p:sld xmlns:a="http://schemas.openxmlformats.org/drawingml/2006/main" xmlns:r="http://schemas.openxmlformats.org/officeDocument/2006/relationships" xmlns:p="http://schemas.openxmlformats.org/presentationml/2006/main">
+  <p:cSld>
+    <p:spTree>
+      <p:nvGrpSpPr>
+        <p:cNvPr id="1" name=""/>
+        <p:cNvGrpSpPr/>
+        <p:nvPr/>
+      </p:nvGrpSpPr>
+      <p:grpSpPr>
+        <a:xfrm>
+          <a:off x="0" y="0"/>
+          <a:ext cx="0" cy="0"/>
+          <a:chOff x="0" y="0"/>
+          <a:chExt cx="0" cy="0"/>
+        </a:xfrm>
+      </p:grpSpPr>
+      <p:sp>
+        <p:nvSpPr>
+          <p:cNvPr id="2" name="標題 1"/>
+          <p:cNvSpPr>
+            <a:spLocks noGrp="1"/>
+          </p:cNvSpPr>
+          <p:nvPr>
+            <p:ph type="ctrTitle"/>
+          </p:nvPr>
+        </p:nvSpPr>
+        <p:spPr>
+          <a:xfrm>
+            <a:off x="0" y="1"/>
+            <a:ext cx="9144000" cy="764704"/>
+          </a:xfrm>
+          <a:gradFill flip="none" rotWithShape="1">
+            <a:gsLst>
+              <a:gs pos="0">
+                <a:srgbClr val="C00000">
+                  <a:shade val="30000"/>
+                  <a:satMod val="115000"/>
+                </a:srgbClr>
+              </a:gs>
+              <a:gs pos="50000">
+                <a:srgbClr val="C00000">
+                  <a:shade val="67500"/>
+                  <a:satMod val="115000"/>
+                </a:srgbClr>
+              </a:gs>
+              <a:gs pos="100000">
+                <a:srgbClr val="C00000">
+                  <a:shade val="100000"/>
+                  <a:satMod val="115000"/>
+                </a:srgbClr>
+              </a:gs>
+            </a:gsLst>
+            <a:path path="circle">
+              <a:fillToRect t="100000" r="100000"/>
+            </a:path>
+            <a:tileRect l="-100000" b="-100000"/>
+          </a:gradFill>
+        </p:spPr>
+        <p:txBody>
+          <a:bodyPr>
+            <a:normAutofit/>
+          </a:bodyPr>
+          <a:lstStyle/>
+          <a:p>
+            <a:pPr algn="l"/>
+            <a:r>
+              <a:rPr lang="en-US" altLang="zh-TW" b="1" dirty="0">
+                <a:solidFill>
+                  <a:srgbClr val="FFFF00"/>
+                </a:solidFill>
+              </a:rPr>
+              <a:t>3 Folder Structure</a:t>
+            </a:r>
+            <a:endParaRPr lang="zh-TW" altLang="en-US" b="1" dirty="0">
+              <a:solidFill>
+                <a:srgbClr val="FFFF00"/>
+              </a:solidFill>
+            </a:endParaRPr>
+          </a:p>
+        </p:txBody>
+      </p:sp>
+      <p:sp>
+        <p:nvSpPr>
+          <p:cNvPr id="3" name="副標題 2"/>
+          <p:cNvSpPr>
+            <a:spLocks noGrp="1"/>
+          </p:cNvSpPr>
+          <p:nvPr>
+            <p:ph type="subTitle" idx="1"/>
+          </p:nvPr>
+        </p:nvSpPr>
+        <p:spPr>
+          <a:xfrm>
+            <a:off x="467544" y="1340768"/>
+            <a:ext cx="4752528" cy="2016224"/>
+          </a:xfrm>
+          <a:ln>
+            <a:solidFill>
+              <a:srgbClr val="C00000"/>
+            </a:solidFill>
+          </a:ln>
+        </p:spPr>
+        <p:txBody>
+          <a:bodyPr>
+            <a:noAutofit/>
+          </a:bodyPr>
+          <a:lstStyle/>
+          <a:p>
+            <a:pPr marL="342900" indent="-342900" algn="l">
+              <a:buClr>
+                <a:srgbClr val="0070C0"/>
+              </a:buClr>
+              <a:buSzPct val="80000"/>
+              <a:buFont typeface="Wingdings" pitchFamily="2" charset="2"/>
+              <a:buChar char="u"/>
+            </a:pPr>
+            <a:r>
+              <a:rPr lang="en-US" altLang="zh-TW" sz="1600" b="1" dirty="0">
+                <a:solidFill>
+                  <a:schemeClr val="tx1"/>
+                </a:solidFill>
+                <a:latin typeface="+mj-lt"/>
+              </a:rPr>
+              <a:t>Start with </a:t>
+            </a:r>
+            <a:r>
+              <a:rPr lang="en-US" altLang="zh-TW" sz="1600" b="1" dirty="0" err="1">
+                <a:solidFill>
+                  <a:schemeClr val="tx1"/>
+                </a:solidFill>
+                <a:latin typeface="+mj-lt"/>
+              </a:rPr>
+              <a:t>package.json</a:t>
+            </a:r>
+            <a:r>
+              <a:rPr lang="en-US" altLang="zh-TW" sz="1600" b="1" dirty="0">
+                <a:solidFill>
+                  <a:schemeClr val="tx1"/>
+                </a:solidFill>
+                <a:latin typeface="+mj-lt"/>
+              </a:rPr>
+              <a:t>: </a:t>
+            </a:r>
+          </a:p>
+          <a:p>
+            <a:pPr marL="342900" indent="-342900" algn="l">
+              <a:buClr>
+                <a:srgbClr val="0070C0"/>
+              </a:buClr>
+              <a:buSzPct val="80000"/>
+              <a:buFont typeface="Wingdings" pitchFamily="2" charset="2"/>
+              <a:buChar char="u"/>
+            </a:pPr>
+            <a:r>
+              <a:rPr lang="en-US" altLang="zh-TW" sz="1600" b="1" dirty="0">
+                <a:solidFill>
+                  <a:schemeClr val="tx1"/>
+                </a:solidFill>
+                <a:latin typeface="+mj-lt"/>
+              </a:rPr>
+              <a:t>This file contains the dependencies and script required for the project.</a:t>
+            </a:r>
+          </a:p>
+          <a:p>
+            <a:pPr marL="342900" indent="-342900" algn="l">
+              <a:buClr>
+                <a:srgbClr val="0070C0"/>
+              </a:buClr>
+              <a:buSzPct val="80000"/>
+              <a:buFont typeface="Wingdings" pitchFamily="2" charset="2"/>
+              <a:buChar char="u"/>
+            </a:pPr>
+            <a:r>
+              <a:rPr lang="en-US" altLang="zh-TW" sz="1600" b="1" dirty="0">
+                <a:solidFill>
+                  <a:schemeClr val="tx1"/>
+                </a:solidFill>
+                <a:latin typeface="+mj-lt"/>
+              </a:rPr>
+              <a:t>You can see the react version 16.13 and that is listed as the dependencies.</a:t>
+            </a:r>
+          </a:p>
+          <a:p>
+            <a:pPr marL="342900" indent="-342900" algn="l">
+              <a:buClr>
+                <a:srgbClr val="0070C0"/>
+              </a:buClr>
+              <a:buSzPct val="80000"/>
+              <a:buFont typeface="Wingdings" pitchFamily="2" charset="2"/>
+              <a:buChar char="u"/>
+            </a:pPr>
+            <a:r>
+              <a:rPr lang="en-US" altLang="zh-TW" sz="1600" b="1" dirty="0">
+                <a:solidFill>
+                  <a:schemeClr val="tx1"/>
+                </a:solidFill>
+                <a:latin typeface="+mj-lt"/>
+              </a:rPr>
+              <a:t>We also have scripts that run the application, build application, or even run tests.</a:t>
+            </a:r>
+          </a:p>
+        </p:txBody>
+      </p:sp>
+      <p:sp>
+        <p:nvSpPr>
+          <p:cNvPr id="4" name="標題 1"/>
+          <p:cNvSpPr txBox="1">
+            <a:spLocks/>
+          </p:cNvSpPr>
+          <p:nvPr/>
+        </p:nvSpPr>
+        <p:spPr>
+          <a:xfrm>
+            <a:off x="0" y="764704"/>
+            <a:ext cx="9144000" cy="398616"/>
+          </a:xfrm>
+          <a:prstGeom prst="rect">
+            <a:avLst/>
+          </a:prstGeom>
+          <a:gradFill flip="none" rotWithShape="1">
+            <a:gsLst>
+              <a:gs pos="0">
+                <a:srgbClr val="00B0F0">
+                  <a:shade val="30000"/>
+                  <a:satMod val="115000"/>
+                </a:srgbClr>
+              </a:gs>
+              <a:gs pos="50000">
+                <a:srgbClr val="00B0F0">
+                  <a:shade val="67500"/>
+                  <a:satMod val="115000"/>
+                </a:srgbClr>
+              </a:gs>
+              <a:gs pos="100000">
+                <a:srgbClr val="00B0F0">
+                  <a:shade val="100000"/>
+                  <a:satMod val="115000"/>
+                </a:srgbClr>
+              </a:gs>
+            </a:gsLst>
+            <a:path path="circle">
+              <a:fillToRect t="100000" r="100000"/>
+            </a:path>
+            <a:tileRect l="-100000" b="-100000"/>
+          </a:gradFill>
+        </p:spPr>
+        <p:txBody>
+          <a:bodyPr vert="horz" lIns="91440" tIns="45720" rIns="91440" bIns="45720" rtlCol="0" anchor="ctr">
+            <a:normAutofit/>
+          </a:bodyPr>
+          <a:lstStyle/>
+          <a:p>
+            <a:r>
+              <a:rPr lang="en-US" sz="1600" dirty="0">
+                <a:hlinkClick r:id="rId2"/>
+              </a:rPr>
+              <a:t>https://www.youtube.com/watch?v=9VIiLJL0H4Y&amp;list=PLC3y8-rFHvwgg3vaYJgHGnModB54rxOk3&amp;index=3</a:t>
+            </a:r>
+            <a:endParaRPr lang="en-US" altLang="zh-TW" sz="1600" b="1" i="1" dirty="0"/>
+          </a:p>
+        </p:txBody>
+      </p:sp>
+      <p:sp>
+        <p:nvSpPr>
+          <p:cNvPr id="5" name="日期版面配置區 4"/>
+          <p:cNvSpPr>
+            <a:spLocks noGrp="1"/>
+          </p:cNvSpPr>
+          <p:nvPr>
+            <p:ph type="dt" sz="half" idx="10"/>
+          </p:nvPr>
+        </p:nvSpPr>
+        <p:spPr>
+          <a:xfrm>
+            <a:off x="457200" y="6356350"/>
+            <a:ext cx="2133600" cy="404246"/>
+          </a:xfrm>
+        </p:spPr>
+        <p:txBody>
+          <a:bodyPr/>
+          <a:lstStyle/>
+          <a:p>
+            <a:fld id="{A4F910E6-8D00-4BAF-8C48-9688E0B449D3}" type="datetime1">
+              <a:rPr lang="zh-TW" altLang="en-US" smtClean="0"/>
+              <a:pPr/>
+              <a:t>2020/6/27</a:t>
             </a:fld>
             <a:endParaRPr lang="zh-TW" altLang="en-US"/>
           </a:p>
@@ -7762,7 +8691,7 @@
         <p:spPr>
           <a:xfrm>
             <a:off x="467544" y="1340768"/>
-            <a:ext cx="5328592" cy="1944216"/>
+            <a:ext cx="5328592" cy="4176464"/>
           </a:xfrm>
           <a:ln>
             <a:solidFill>
@@ -7785,11 +8714,10 @@
               <a:buChar char="u"/>
             </a:pPr>
             <a:r>
-              <a:rPr lang="en-US" altLang="zh-TW" sz="1600" b="1" dirty="0">
-                <a:solidFill>
-                  <a:schemeClr val="tx1"/>
-                </a:solidFill>
-                <a:latin typeface="+mj-lt"/>
+              <a:rPr lang="en-US" altLang="zh-TW" sz="1800" b="1" dirty="0">
+                <a:solidFill>
+                  <a:schemeClr val="tx1"/>
+                </a:solidFill>
               </a:rPr>
               <a:t>React Folder Structure:</a:t>
             </a:r>
@@ -7804,7 +8732,7 @@
               <a:buChar char="u"/>
             </a:pPr>
             <a:r>
-              <a:rPr lang="en-US" altLang="zh-TW" sz="1600" b="1" dirty="0">
+              <a:rPr lang="en-US" altLang="zh-TW" sz="1800" b="1" dirty="0">
                 <a:solidFill>
                   <a:schemeClr val="tx1"/>
                 </a:solidFill>
@@ -7812,7 +8740,7 @@
               <a:t>Now based on whether you have just </a:t>
             </a:r>
             <a:r>
-              <a:rPr lang="en-US" altLang="zh-TW" sz="1600" b="1" dirty="0" err="1">
+              <a:rPr lang="en-US" altLang="zh-TW" sz="1800" b="1" dirty="0" err="1">
                 <a:solidFill>
                   <a:schemeClr val="tx1"/>
                 </a:solidFill>
@@ -7820,7 +8748,7 @@
               <a:t>npm</a:t>
             </a:r>
             <a:r>
-              <a:rPr lang="en-US" altLang="zh-TW" sz="1600" b="1" dirty="0">
+              <a:rPr lang="en-US" altLang="zh-TW" sz="1800" b="1" dirty="0">
                 <a:solidFill>
                   <a:schemeClr val="tx1"/>
                 </a:solidFill>
@@ -7828,7 +8756,7 @@
               <a:t> or yarn as a package manager, you are going to see yarn-</a:t>
             </a:r>
             <a:r>
-              <a:rPr lang="en-US" altLang="zh-TW" sz="1600" b="1" dirty="0" err="1">
+              <a:rPr lang="en-US" altLang="zh-TW" sz="1800" b="1" dirty="0" err="1">
                 <a:solidFill>
                   <a:schemeClr val="tx1"/>
                 </a:solidFill>
@@ -7836,7 +8764,7 @@
               <a:t>lock.json</a:t>
             </a:r>
             <a:r>
-              <a:rPr lang="en-US" altLang="zh-TW" sz="1600" b="1" dirty="0">
+              <a:rPr lang="en-US" altLang="zh-TW" sz="1800" b="1" dirty="0">
                 <a:solidFill>
                   <a:schemeClr val="tx1"/>
                 </a:solidFill>
@@ -7844,7 +8772,7 @@
               <a:t> or package-</a:t>
             </a:r>
             <a:r>
-              <a:rPr lang="en-US" altLang="zh-TW" sz="1600" b="1" dirty="0" err="1">
+              <a:rPr lang="en-US" altLang="zh-TW" sz="1800" b="1" dirty="0" err="1">
                 <a:solidFill>
                   <a:schemeClr val="tx1"/>
                 </a:solidFill>
@@ -7852,7 +8780,7 @@
               <a:t>lock.json</a:t>
             </a:r>
             <a:r>
-              <a:rPr lang="en-US" altLang="zh-TW" sz="1600" b="1" dirty="0">
+              <a:rPr lang="en-US" altLang="zh-TW" sz="1800" b="1" dirty="0">
                 <a:solidFill>
                   <a:schemeClr val="tx1"/>
                 </a:solidFill>
@@ -7870,7 +8798,7 @@
               <a:buChar char="u"/>
             </a:pPr>
             <a:r>
-              <a:rPr lang="en-US" altLang="zh-TW" sz="1600" b="1" dirty="0">
+              <a:rPr lang="en-US" altLang="zh-TW" sz="1800" b="1" dirty="0">
                 <a:solidFill>
                   <a:schemeClr val="tx1"/>
                 </a:solidFill>
@@ -7878,7 +8806,7 @@
               <a:t>We also have .</a:t>
             </a:r>
             <a:r>
-              <a:rPr lang="en-US" altLang="zh-TW" sz="1600" b="1" dirty="0" err="1">
+              <a:rPr lang="en-US" altLang="zh-TW" sz="1800" b="1" dirty="0" err="1">
                 <a:solidFill>
                   <a:schemeClr val="tx1"/>
                 </a:solidFill>
@@ -7886,7 +8814,7 @@
               <a:t>gitignore</a:t>
             </a:r>
             <a:r>
-              <a:rPr lang="en-US" altLang="zh-TW" sz="1600" b="1" dirty="0">
+              <a:rPr lang="en-US" altLang="zh-TW" sz="1800" b="1" dirty="0">
                 <a:solidFill>
                   <a:schemeClr val="tx1"/>
                 </a:solidFill>
@@ -7903,11 +8831,199 @@
               <a:buFont typeface="Wingdings" pitchFamily="2" charset="2"/>
               <a:buChar char="u"/>
             </a:pPr>
-            <a:endParaRPr lang="en-US" altLang="zh-TW" sz="1600" b="1" dirty="0">
+            <a:r>
+              <a:rPr lang="en-US" altLang="zh-TW" sz="1800" b="1" dirty="0">
+                <a:solidFill>
+                  <a:schemeClr val="tx1"/>
+                </a:solidFill>
+              </a:rPr>
+              <a:t>package-</a:t>
+            </a:r>
+            <a:r>
+              <a:rPr lang="en-US" altLang="zh-TW" sz="1800" b="1" dirty="0" err="1">
+                <a:solidFill>
+                  <a:schemeClr val="tx1"/>
+                </a:solidFill>
+              </a:rPr>
+              <a:t>lock.json</a:t>
+            </a:r>
+            <a:r>
+              <a:rPr lang="en-US" altLang="zh-TW" sz="1800" b="1" dirty="0">
+                <a:solidFill>
+                  <a:schemeClr val="tx1"/>
+                </a:solidFill>
+              </a:rPr>
+              <a:t>:</a:t>
+            </a:r>
+          </a:p>
+          <a:p>
+            <a:pPr marL="342900" indent="-342900" algn="l">
+              <a:buClr>
+                <a:srgbClr val="0070C0"/>
+              </a:buClr>
+              <a:buSzPct val="80000"/>
+              <a:buFont typeface="Wingdings" pitchFamily="2" charset="2"/>
+              <a:buChar char="u"/>
+            </a:pPr>
+            <a:r>
+              <a:rPr lang="en-US" sz="1800" dirty="0">
+                <a:hlinkClick r:id="rId2"/>
+              </a:rPr>
+              <a:t>https://docs.npmjs.com/configuring-npm/package-lock-json.html</a:t>
+            </a:r>
+            <a:endParaRPr lang="en-US" sz="1800" dirty="0"/>
+          </a:p>
+          <a:p>
+            <a:pPr marL="342900" indent="-342900" algn="l">
+              <a:buClr>
+                <a:srgbClr val="0070C0"/>
+              </a:buClr>
+              <a:buSzPct val="80000"/>
+              <a:buFont typeface="Wingdings" pitchFamily="2" charset="2"/>
+              <a:buChar char="u"/>
+            </a:pPr>
+            <a:r>
+              <a:rPr kumimoji="0" lang="en-US" altLang="en-US" sz="1800" b="1" i="0" u="none" strike="noStrike" cap="none" normalizeH="0" baseline="0" dirty="0">
+                <a:ln>
+                  <a:noFill/>
+                </a:ln>
+                <a:solidFill>
+                  <a:srgbClr val="444444"/>
+                </a:solidFill>
+                <a:effectLst/>
+              </a:rPr>
+              <a:t>package-</a:t>
+            </a:r>
+            <a:r>
+              <a:rPr kumimoji="0" lang="en-US" altLang="en-US" sz="1800" b="1" i="0" u="none" strike="noStrike" cap="none" normalizeH="0" baseline="0" dirty="0" err="1">
+                <a:ln>
+                  <a:noFill/>
+                </a:ln>
+                <a:solidFill>
+                  <a:srgbClr val="444444"/>
+                </a:solidFill>
+                <a:effectLst/>
+              </a:rPr>
+              <a:t>lock.json</a:t>
+            </a:r>
+            <a:r>
+              <a:rPr kumimoji="0" lang="en-US" altLang="en-US" sz="1800" b="0" i="0" u="none" strike="noStrike" cap="none" normalizeH="0" baseline="0" dirty="0">
+                <a:ln>
+                  <a:noFill/>
+                </a:ln>
+                <a:solidFill>
+                  <a:srgbClr val="333333"/>
+                </a:solidFill>
+                <a:effectLst/>
+              </a:rPr>
+              <a:t> is automatically generated for any operations where </a:t>
+            </a:r>
+            <a:r>
+              <a:rPr kumimoji="0" lang="en-US" altLang="en-US" sz="1800" b="0" i="0" u="none" strike="noStrike" cap="none" normalizeH="0" baseline="0" dirty="0" err="1">
+                <a:ln>
+                  <a:noFill/>
+                </a:ln>
+                <a:solidFill>
+                  <a:srgbClr val="333333"/>
+                </a:solidFill>
+                <a:effectLst/>
+              </a:rPr>
+              <a:t>npm</a:t>
+            </a:r>
+            <a:r>
+              <a:rPr kumimoji="0" lang="en-US" altLang="en-US" sz="1800" b="0" i="0" u="none" strike="noStrike" cap="none" normalizeH="0" baseline="0" dirty="0">
+                <a:ln>
+                  <a:noFill/>
+                </a:ln>
+                <a:solidFill>
+                  <a:srgbClr val="333333"/>
+                </a:solidFill>
+                <a:effectLst/>
+              </a:rPr>
+              <a:t> modifies either the </a:t>
+            </a:r>
+            <a:r>
+              <a:rPr kumimoji="0" lang="en-US" altLang="en-US" sz="1800" b="1" i="0" u="none" strike="noStrike" cap="none" normalizeH="0" baseline="0" dirty="0" err="1">
+                <a:ln>
+                  <a:noFill/>
+                </a:ln>
+                <a:solidFill>
+                  <a:srgbClr val="444444"/>
+                </a:solidFill>
+                <a:effectLst/>
+              </a:rPr>
+              <a:t>node_modules</a:t>
+            </a:r>
+            <a:r>
+              <a:rPr kumimoji="0" lang="en-US" altLang="en-US" sz="1800" b="0" i="0" u="none" strike="noStrike" cap="none" normalizeH="0" baseline="0" dirty="0">
+                <a:ln>
+                  <a:noFill/>
+                </a:ln>
+                <a:solidFill>
+                  <a:srgbClr val="333333"/>
+                </a:solidFill>
+                <a:effectLst/>
+              </a:rPr>
+              <a:t> tree, or </a:t>
+            </a:r>
+            <a:r>
+              <a:rPr kumimoji="0" lang="en-US" altLang="en-US" sz="1800" b="1" i="0" u="none" strike="noStrike" cap="none" normalizeH="0" baseline="0" dirty="0" err="1">
+                <a:ln>
+                  <a:noFill/>
+                </a:ln>
+                <a:solidFill>
+                  <a:srgbClr val="444444"/>
+                </a:solidFill>
+                <a:effectLst/>
+              </a:rPr>
+              <a:t>package.json</a:t>
+            </a:r>
+            <a:r>
+              <a:rPr kumimoji="0" lang="en-US" altLang="en-US" sz="1800" b="0" i="0" u="none" strike="noStrike" cap="none" normalizeH="0" baseline="0" dirty="0">
+                <a:ln>
+                  <a:noFill/>
+                </a:ln>
+                <a:solidFill>
+                  <a:srgbClr val="333333"/>
+                </a:solidFill>
+                <a:effectLst/>
+              </a:rPr>
+              <a:t>. </a:t>
+            </a:r>
+            <a:endParaRPr lang="en-US" altLang="zh-TW" sz="1800" b="1" dirty="0">
               <a:solidFill>
                 <a:schemeClr val="tx1"/>
               </a:solidFill>
-              <a:latin typeface="+mj-lt"/>
+            </a:endParaRPr>
+          </a:p>
+          <a:p>
+            <a:pPr marL="342900" indent="-342900" algn="l">
+              <a:buClr>
+                <a:srgbClr val="0070C0"/>
+              </a:buClr>
+              <a:buSzPct val="80000"/>
+              <a:buFont typeface="Wingdings" pitchFamily="2" charset="2"/>
+              <a:buChar char="u"/>
+            </a:pPr>
+            <a:endParaRPr lang="en-US" altLang="zh-TW" sz="1800" b="1" dirty="0">
+              <a:solidFill>
+                <a:schemeClr val="tx1"/>
+              </a:solidFill>
+            </a:endParaRPr>
+          </a:p>
+          <a:p>
+            <a:pPr marL="342900" indent="-342900" algn="l">
+              <a:buClr>
+                <a:srgbClr val="0070C0"/>
+              </a:buClr>
+              <a:buSzPct val="80000"/>
+              <a:buFont typeface="Wingdings" pitchFamily="2" charset="2"/>
+              <a:buChar char="u"/>
+            </a:pPr>
+            <a:endParaRPr lang="en-US" altLang="zh-TW" sz="1800" b="1" dirty="0">
+              <a:solidFill>
+                <a:schemeClr val="tx1"/>
+              </a:solidFill>
             </a:endParaRPr>
           </a:p>
         </p:txBody>
@@ -7963,7 +9079,7 @@
           <a:p>
             <a:r>
               <a:rPr lang="en-US" sz="1600" dirty="0">
-                <a:hlinkClick r:id="rId2"/>
+                <a:hlinkClick r:id="rId3"/>
               </a:rPr>
               <a:t>https://www.youtube.com/watch?v=9VIiLJL0H4Y&amp;list=PLC3y8-rFHvwgg3vaYJgHGnModB54rxOk3&amp;index=3</a:t>
             </a:r>
@@ -7994,7 +9110,7 @@
             <a:fld id="{A4F910E6-8D00-4BAF-8C48-9688E0B449D3}" type="datetime1">
               <a:rPr lang="zh-TW" altLang="en-US" smtClean="0"/>
               <a:pPr/>
-              <a:t>2020/3/31</a:t>
+              <a:t>2020/6/27</a:t>
             </a:fld>
             <a:endParaRPr lang="zh-TW" altLang="en-US"/>
           </a:p>
@@ -8044,7 +9160,7 @@
           <p:nvPr/>
         </p:nvPicPr>
         <p:blipFill>
-          <a:blip r:embed="rId3"/>
+          <a:blip r:embed="rId4"/>
           <a:stretch>
             <a:fillRect/>
           </a:stretch>
@@ -8330,7 +9446,7 @@
             <a:fld id="{A4F910E6-8D00-4BAF-8C48-9688E0B449D3}" type="datetime1">
               <a:rPr lang="zh-TW" altLang="en-US" smtClean="0"/>
               <a:pPr/>
-              <a:t>2020/3/31</a:t>
+              <a:t>2020/6/27</a:t>
             </a:fld>
             <a:endParaRPr lang="zh-TW" altLang="en-US"/>
           </a:p>
@@ -8694,7 +9810,7 @@
             <a:fld id="{A4F910E6-8D00-4BAF-8C48-9688E0B449D3}" type="datetime1">
               <a:rPr lang="zh-TW" altLang="en-US" smtClean="0"/>
               <a:pPr/>
-              <a:t>2020/3/31</a:t>
+              <a:t>2020/6/27</a:t>
             </a:fld>
             <a:endParaRPr lang="zh-TW" altLang="en-US"/>
           </a:p>
@@ -9085,7 +10201,7 @@
             <a:fld id="{A4F910E6-8D00-4BAF-8C48-9688E0B449D3}" type="datetime1">
               <a:rPr lang="zh-TW" altLang="en-US" smtClean="0"/>
               <a:pPr/>
-              <a:t>2020/3/31</a:t>
+              <a:t>2020/6/27</a:t>
             </a:fld>
             <a:endParaRPr lang="zh-TW" altLang="en-US"/>
           </a:p>
@@ -9263,7 +10379,7 @@
         <p:spPr>
           <a:xfrm>
             <a:off x="467544" y="1340769"/>
-            <a:ext cx="8219256" cy="2088231"/>
+            <a:ext cx="8219256" cy="2495302"/>
           </a:xfrm>
           <a:ln>
             <a:solidFill>
@@ -9366,6 +10482,50 @@
                 <a:latin typeface="+mj-lt"/>
               </a:rPr>
               <a:t>At run time, the react application takes over this div tag and is ultimately responsible for the UI. We will focus this div tag in React UI development.</a:t>
+            </a:r>
+          </a:p>
+          <a:p>
+            <a:pPr marL="342900" indent="-342900" algn="l">
+              <a:buClr>
+                <a:srgbClr val="0070C0"/>
+              </a:buClr>
+              <a:buSzPct val="80000"/>
+              <a:buFont typeface="Wingdings" pitchFamily="2" charset="2"/>
+              <a:buChar char="u"/>
+            </a:pPr>
+            <a:r>
+              <a:rPr lang="en-US" altLang="zh-TW" sz="1600" b="1" dirty="0">
+                <a:solidFill>
+                  <a:schemeClr val="tx1"/>
+                </a:solidFill>
+                <a:latin typeface="+mj-lt"/>
+              </a:rPr>
+              <a:t>Note:</a:t>
+            </a:r>
+          </a:p>
+          <a:p>
+            <a:pPr marL="342900" indent="-342900" algn="l">
+              <a:buClr>
+                <a:srgbClr val="0070C0"/>
+              </a:buClr>
+              <a:buSzPct val="80000"/>
+              <a:buFont typeface="Wingdings" pitchFamily="2" charset="2"/>
+              <a:buChar char="u"/>
+            </a:pPr>
+            <a:r>
+              <a:rPr lang="en-US" sz="1600" dirty="0">
+                <a:hlinkClick r:id="rId2"/>
+              </a:rPr>
+              <a:t>https://create-react-app.dev/docs/using-the-public-folder/</a:t>
+            </a:r>
+            <a:r>
+              <a:rPr lang="en-US" altLang="zh-TW" sz="1600" b="1" dirty="0">
+                <a:solidFill>
+                  <a:schemeClr val="tx1"/>
+                </a:solidFill>
+                <a:latin typeface="+mj-lt"/>
+              </a:rPr>
+              <a:t> </a:t>
             </a:r>
           </a:p>
         </p:txBody>
@@ -9421,7 +10581,7 @@
           <a:p>
             <a:r>
               <a:rPr lang="en-US" sz="1600" dirty="0">
-                <a:hlinkClick r:id="rId2"/>
+                <a:hlinkClick r:id="rId3"/>
               </a:rPr>
               <a:t>https://www.youtube.com/watch?v=9VIiLJL0H4Y&amp;list=PLC3y8-rFHvwgg3vaYJgHGnModB54rxOk3&amp;index=3</a:t>
             </a:r>
@@ -9452,7 +10612,7 @@
             <a:fld id="{A4F910E6-8D00-4BAF-8C48-9688E0B449D3}" type="datetime1">
               <a:rPr lang="zh-TW" altLang="en-US" smtClean="0"/>
               <a:pPr/>
-              <a:t>2020/3/31</a:t>
+              <a:t>2020/6/27</a:t>
             </a:fld>
             <a:endParaRPr lang="zh-TW" altLang="en-US"/>
           </a:p>
@@ -9502,14 +10662,14 @@
           <p:nvPr/>
         </p:nvPicPr>
         <p:blipFill>
-          <a:blip r:embed="rId3"/>
+          <a:blip r:embed="rId4"/>
           <a:stretch>
             <a:fillRect/>
           </a:stretch>
         </p:blipFill>
         <p:spPr>
           <a:xfrm>
-            <a:off x="3464623" y="3606449"/>
+            <a:off x="3563888" y="3933206"/>
             <a:ext cx="5193468" cy="2680243"/>
           </a:xfrm>
           <a:prstGeom prst="rect">
@@ -9522,6 +10682,333 @@
           </a:ln>
         </p:spPr>
       </p:pic>
+      <p:sp>
+        <p:nvSpPr>
+          <p:cNvPr id="9" name="副標題 2">
+            <a:extLst>
+              <a:ext uri="{FF2B5EF4-FFF2-40B4-BE49-F238E27FC236}">
+                <a16:creationId xmlns:a16="http://schemas.microsoft.com/office/drawing/2014/main" id="{64C9A409-5C49-4DA0-B1BE-6208E48513D8}"/>
+              </a:ext>
+            </a:extLst>
+          </p:cNvPr>
+          <p:cNvSpPr txBox="1">
+            <a:spLocks/>
+          </p:cNvSpPr>
+          <p:nvPr/>
+        </p:nvSpPr>
+        <p:spPr>
+          <a:xfrm>
+            <a:off x="455629" y="3933206"/>
+            <a:ext cx="3034680" cy="2553438"/>
+          </a:xfrm>
+          <a:prstGeom prst="rect">
+            <a:avLst/>
+          </a:prstGeom>
+          <a:ln>
+            <a:solidFill>
+              <a:srgbClr val="C00000"/>
+            </a:solidFill>
+          </a:ln>
+        </p:spPr>
+        <p:txBody>
+          <a:bodyPr vert="horz" lIns="91440" tIns="45720" rIns="91440" bIns="45720" rtlCol="0">
+            <a:noAutofit/>
+          </a:bodyPr>
+          <a:lstStyle>
+            <a:lvl1pPr marL="0" indent="0" algn="ctr" defTabSz="914400" rtl="0" eaLnBrk="1" latinLnBrk="0" hangingPunct="1">
+              <a:spcBef>
+                <a:spcPct val="20000"/>
+              </a:spcBef>
+              <a:buFont typeface="Arial" pitchFamily="34" charset="0"/>
+              <a:buNone/>
+              <a:defRPr sz="3200" kern="1200">
+                <a:solidFill>
+                  <a:schemeClr val="tx1">
+                    <a:tint val="75000"/>
+                  </a:schemeClr>
+                </a:solidFill>
+                <a:latin typeface="+mn-lt"/>
+                <a:ea typeface="+mn-ea"/>
+                <a:cs typeface="+mn-cs"/>
+              </a:defRPr>
+            </a:lvl1pPr>
+            <a:lvl2pPr marL="457200" indent="0" algn="ctr" defTabSz="914400" rtl="0" eaLnBrk="1" latinLnBrk="0" hangingPunct="1">
+              <a:spcBef>
+                <a:spcPct val="20000"/>
+              </a:spcBef>
+              <a:buFont typeface="Arial" pitchFamily="34" charset="0"/>
+              <a:buNone/>
+              <a:defRPr sz="2800" kern="1200">
+                <a:solidFill>
+                  <a:schemeClr val="tx1">
+                    <a:tint val="75000"/>
+                  </a:schemeClr>
+                </a:solidFill>
+                <a:latin typeface="+mn-lt"/>
+                <a:ea typeface="+mn-ea"/>
+                <a:cs typeface="+mn-cs"/>
+              </a:defRPr>
+            </a:lvl2pPr>
+            <a:lvl3pPr marL="914400" indent="0" algn="ctr" defTabSz="914400" rtl="0" eaLnBrk="1" latinLnBrk="0" hangingPunct="1">
+              <a:spcBef>
+                <a:spcPct val="20000"/>
+              </a:spcBef>
+              <a:buFont typeface="Arial" pitchFamily="34" charset="0"/>
+              <a:buNone/>
+              <a:defRPr sz="2400" kern="1200">
+                <a:solidFill>
+                  <a:schemeClr val="tx1">
+                    <a:tint val="75000"/>
+                  </a:schemeClr>
+                </a:solidFill>
+                <a:latin typeface="+mn-lt"/>
+                <a:ea typeface="+mn-ea"/>
+                <a:cs typeface="+mn-cs"/>
+              </a:defRPr>
+            </a:lvl3pPr>
+            <a:lvl4pPr marL="1371600" indent="0" algn="ctr" defTabSz="914400" rtl="0" eaLnBrk="1" latinLnBrk="0" hangingPunct="1">
+              <a:spcBef>
+                <a:spcPct val="20000"/>
+              </a:spcBef>
+              <a:buFont typeface="Arial" pitchFamily="34" charset="0"/>
+              <a:buNone/>
+              <a:defRPr sz="2000" kern="1200">
+                <a:solidFill>
+                  <a:schemeClr val="tx1">
+                    <a:tint val="75000"/>
+                  </a:schemeClr>
+                </a:solidFill>
+                <a:latin typeface="+mn-lt"/>
+                <a:ea typeface="+mn-ea"/>
+                <a:cs typeface="+mn-cs"/>
+              </a:defRPr>
+            </a:lvl4pPr>
+            <a:lvl5pPr marL="1828800" indent="0" algn="ctr" defTabSz="914400" rtl="0" eaLnBrk="1" latinLnBrk="0" hangingPunct="1">
+              <a:spcBef>
+                <a:spcPct val="20000"/>
+              </a:spcBef>
+              <a:buFont typeface="Arial" pitchFamily="34" charset="0"/>
+              <a:buNone/>
+              <a:defRPr sz="2000" kern="1200">
+                <a:solidFill>
+                  <a:schemeClr val="tx1">
+                    <a:tint val="75000"/>
+                  </a:schemeClr>
+                </a:solidFill>
+                <a:latin typeface="+mn-lt"/>
+                <a:ea typeface="+mn-ea"/>
+                <a:cs typeface="+mn-cs"/>
+              </a:defRPr>
+            </a:lvl5pPr>
+            <a:lvl6pPr marL="2286000" indent="0" algn="ctr" defTabSz="914400" rtl="0" eaLnBrk="1" latinLnBrk="0" hangingPunct="1">
+              <a:spcBef>
+                <a:spcPct val="20000"/>
+              </a:spcBef>
+              <a:buFont typeface="Arial" pitchFamily="34" charset="0"/>
+              <a:buNone/>
+              <a:defRPr sz="2000" kern="1200">
+                <a:solidFill>
+                  <a:schemeClr val="tx1">
+                    <a:tint val="75000"/>
+                  </a:schemeClr>
+                </a:solidFill>
+                <a:latin typeface="+mn-lt"/>
+                <a:ea typeface="+mn-ea"/>
+                <a:cs typeface="+mn-cs"/>
+              </a:defRPr>
+            </a:lvl6pPr>
+            <a:lvl7pPr marL="2743200" indent="0" algn="ctr" defTabSz="914400" rtl="0" eaLnBrk="1" latinLnBrk="0" hangingPunct="1">
+              <a:spcBef>
+                <a:spcPct val="20000"/>
+              </a:spcBef>
+              <a:buFont typeface="Arial" pitchFamily="34" charset="0"/>
+              <a:buNone/>
+              <a:defRPr sz="2000" kern="1200">
+                <a:solidFill>
+                  <a:schemeClr val="tx1">
+                    <a:tint val="75000"/>
+                  </a:schemeClr>
+                </a:solidFill>
+                <a:latin typeface="+mn-lt"/>
+                <a:ea typeface="+mn-ea"/>
+                <a:cs typeface="+mn-cs"/>
+              </a:defRPr>
+            </a:lvl7pPr>
+            <a:lvl8pPr marL="3200400" indent="0" algn="ctr" defTabSz="914400" rtl="0" eaLnBrk="1" latinLnBrk="0" hangingPunct="1">
+              <a:spcBef>
+                <a:spcPct val="20000"/>
+              </a:spcBef>
+              <a:buFont typeface="Arial" pitchFamily="34" charset="0"/>
+              <a:buNone/>
+              <a:defRPr sz="2000" kern="1200">
+                <a:solidFill>
+                  <a:schemeClr val="tx1">
+                    <a:tint val="75000"/>
+                  </a:schemeClr>
+                </a:solidFill>
+                <a:latin typeface="+mn-lt"/>
+                <a:ea typeface="+mn-ea"/>
+                <a:cs typeface="+mn-cs"/>
+              </a:defRPr>
+            </a:lvl8pPr>
+            <a:lvl9pPr marL="3657600" indent="0" algn="ctr" defTabSz="914400" rtl="0" eaLnBrk="1" latinLnBrk="0" hangingPunct="1">
+              <a:spcBef>
+                <a:spcPct val="20000"/>
+              </a:spcBef>
+              <a:buFont typeface="Arial" pitchFamily="34" charset="0"/>
+              <a:buNone/>
+              <a:defRPr sz="2000" kern="1200">
+                <a:solidFill>
+                  <a:schemeClr val="tx1">
+                    <a:tint val="75000"/>
+                  </a:schemeClr>
+                </a:solidFill>
+                <a:latin typeface="+mn-lt"/>
+                <a:ea typeface="+mn-ea"/>
+                <a:cs typeface="+mn-cs"/>
+              </a:defRPr>
+            </a:lvl9pPr>
+          </a:lstStyle>
+          <a:p>
+            <a:pPr marL="342900" indent="-342900" algn="l">
+              <a:buClr>
+                <a:srgbClr val="0070C0"/>
+              </a:buClr>
+              <a:buSzPct val="80000"/>
+              <a:buFont typeface="Wingdings" pitchFamily="2" charset="2"/>
+              <a:buChar char="u"/>
+            </a:pPr>
+            <a:r>
+              <a:rPr lang="en-US" altLang="en-US" sz="1800" dirty="0">
+                <a:solidFill>
+                  <a:srgbClr val="1C1E21"/>
+                </a:solidFill>
+                <a:latin typeface="system-ui"/>
+              </a:rPr>
+              <a:t>The </a:t>
+            </a:r>
+            <a:r>
+              <a:rPr lang="en-US" altLang="en-US" sz="1800" dirty="0">
+                <a:solidFill>
+                  <a:srgbClr val="1C1E21"/>
+                </a:solidFill>
+                <a:latin typeface="var(--ifm-font-family-monospace)"/>
+              </a:rPr>
+              <a:t>public</a:t>
+            </a:r>
+            <a:r>
+              <a:rPr lang="en-US" altLang="en-US" sz="1800" dirty="0">
+                <a:solidFill>
+                  <a:srgbClr val="1C1E21"/>
+                </a:solidFill>
+                <a:latin typeface="system-ui"/>
+              </a:rPr>
+              <a:t> folder contains the HTML file, for example, to </a:t>
+            </a:r>
+            <a:r>
+              <a:rPr lang="en-US" altLang="en-US" sz="1800" dirty="0">
+                <a:solidFill>
+                  <a:schemeClr val="tx1"/>
+                </a:solidFill>
+                <a:latin typeface="system-ui"/>
+              </a:rPr>
+              <a:t>set the page title and meta tags</a:t>
+            </a:r>
+            <a:r>
+              <a:rPr lang="en-US" altLang="en-US" sz="1800" dirty="0">
+                <a:solidFill>
+                  <a:srgbClr val="1C1E21"/>
+                </a:solidFill>
+                <a:latin typeface="system-ui"/>
+              </a:rPr>
+              <a:t>.</a:t>
+            </a:r>
+          </a:p>
+          <a:p>
+            <a:pPr marL="342900" indent="-342900" algn="l">
+              <a:buClr>
+                <a:srgbClr val="0070C0"/>
+              </a:buClr>
+              <a:buSzPct val="80000"/>
+              <a:buFont typeface="Wingdings" pitchFamily="2" charset="2"/>
+              <a:buChar char="u"/>
+            </a:pPr>
+            <a:r>
+              <a:rPr lang="en-US" altLang="en-US" sz="1800" dirty="0">
+                <a:solidFill>
+                  <a:srgbClr val="1C1E21"/>
+                </a:solidFill>
+                <a:latin typeface="system-ui"/>
+              </a:rPr>
+              <a:t>The </a:t>
+            </a:r>
+            <a:r>
+              <a:rPr lang="en-US" altLang="en-US" sz="1800" dirty="0">
+                <a:solidFill>
+                  <a:srgbClr val="1C1E21"/>
+                </a:solidFill>
+                <a:latin typeface="var(--ifm-font-family-monospace)"/>
+              </a:rPr>
+              <a:t>&lt;script&gt;</a:t>
+            </a:r>
+            <a:r>
+              <a:rPr lang="en-US" altLang="en-US" sz="1800" dirty="0">
+                <a:solidFill>
+                  <a:srgbClr val="1C1E21"/>
+                </a:solidFill>
+                <a:latin typeface="system-ui"/>
+              </a:rPr>
+              <a:t> tag with the compiled code will be added to it automatically during the build process.</a:t>
+            </a:r>
+            <a:r>
+              <a:rPr lang="en-US" altLang="en-US" sz="1800" dirty="0">
+                <a:solidFill>
+                  <a:schemeClr val="tx1"/>
+                </a:solidFill>
+              </a:rPr>
+              <a:t> </a:t>
+            </a:r>
+            <a:endParaRPr lang="en-US" altLang="en-US" sz="1800" dirty="0">
+              <a:solidFill>
+                <a:schemeClr val="tx1"/>
+              </a:solidFill>
+              <a:latin typeface="Arial" panose="020B0604020202020204" pitchFamily="34" charset="0"/>
+            </a:endParaRPr>
+          </a:p>
+          <a:p>
+            <a:pPr marL="342900" indent="-342900" algn="l">
+              <a:buClr>
+                <a:srgbClr val="0070C0"/>
+              </a:buClr>
+              <a:buSzPct val="80000"/>
+              <a:buFont typeface="Wingdings" pitchFamily="2" charset="2"/>
+              <a:buChar char="u"/>
+            </a:pPr>
+            <a:endParaRPr lang="en-US" altLang="zh-TW" sz="1800" b="1" dirty="0">
+              <a:solidFill>
+                <a:schemeClr val="tx1"/>
+              </a:solidFill>
+              <a:latin typeface="+mj-lt"/>
+            </a:endParaRPr>
+          </a:p>
+          <a:p>
+            <a:pPr marL="342900" indent="-342900" algn="l">
+              <a:buClr>
+                <a:srgbClr val="0070C0"/>
+              </a:buClr>
+              <a:buSzPct val="80000"/>
+              <a:buFont typeface="Wingdings" pitchFamily="2" charset="2"/>
+              <a:buChar char="u"/>
+            </a:pPr>
+            <a:endParaRPr lang="en-US" altLang="zh-TW" sz="1800" b="1" dirty="0">
+              <a:solidFill>
+                <a:schemeClr val="tx1"/>
+              </a:solidFill>
+              <a:latin typeface="+mj-lt"/>
+            </a:endParaRPr>
+          </a:p>
+        </p:txBody>
+      </p:sp>
     </p:spTree>
     <p:extLst>
       <p:ext uri="{BB962C8B-B14F-4D97-AF65-F5344CB8AC3E}">
@@ -9809,7 +11296,7 @@
             <a:fld id="{A4F910E6-8D00-4BAF-8C48-9688E0B449D3}" type="datetime1">
               <a:rPr lang="zh-TW" altLang="en-US" smtClean="0"/>
               <a:pPr/>
-              <a:t>2020/3/31</a:t>
+              <a:t>2020/6/27</a:t>
             </a:fld>
             <a:endParaRPr lang="zh-TW" altLang="en-US"/>
           </a:p>
